--- a/VVS.pptx
+++ b/VVS.pptx
@@ -5,7 +5,7 @@
     <p:sldMasterId id="2147483658" r:id="rId1"/>
   </p:sldMasterIdLst>
   <p:notesMasterIdLst>
-    <p:notesMasterId r:id="rId13"/>
+    <p:notesMasterId r:id="rId14"/>
   </p:notesMasterIdLst>
   <p:sldIdLst>
     <p:sldId id="256" r:id="rId2"/>
@@ -17,8 +17,9 @@
     <p:sldId id="262" r:id="rId8"/>
     <p:sldId id="263" r:id="rId9"/>
     <p:sldId id="264" r:id="rId10"/>
-    <p:sldId id="265" r:id="rId11"/>
-    <p:sldId id="266" r:id="rId12"/>
+    <p:sldId id="267" r:id="rId11"/>
+    <p:sldId id="265" r:id="rId12"/>
+    <p:sldId id="266" r:id="rId13"/>
   </p:sldIdLst>
   <p:sldSz cx="9144000" cy="5143500" type="screen16x9"/>
   <p:notesSz cx="6858000" cy="9144000"/>
@@ -595,6 +596,107 @@
   <p:cSld>
     <p:spTree>
       <p:nvGrpSpPr>
+        <p:cNvPr id="1" name="Shape 229"/>
+        <p:cNvGrpSpPr/>
+        <p:nvPr/>
+      </p:nvGrpSpPr>
+      <p:grpSpPr>
+        <a:xfrm>
+          <a:off x="0" y="0"/>
+          <a:ext cx="0" cy="0"/>
+          <a:chOff x="0" y="0"/>
+          <a:chExt cx="0" cy="0"/>
+        </a:xfrm>
+      </p:grpSpPr>
+      <p:sp>
+        <p:nvSpPr>
+          <p:cNvPr id="230" name="Shape 230"/>
+          <p:cNvSpPr>
+            <a:spLocks noGrp="1" noRot="1" noChangeAspect="1"/>
+          </p:cNvSpPr>
+          <p:nvPr>
+            <p:ph type="sldImg" idx="2"/>
+          </p:nvPr>
+        </p:nvSpPr>
+        <p:spPr>
+          <a:xfrm>
+            <a:off x="381000" y="685800"/>
+            <a:ext cx="6096000" cy="3429000"/>
+          </a:xfrm>
+          <a:custGeom>
+            <a:avLst/>
+            <a:gdLst/>
+            <a:ahLst/>
+            <a:cxnLst/>
+            <a:rect l="0" t="0" r="0" b="0"/>
+            <a:pathLst>
+              <a:path w="120000" h="120000" extrusionOk="0">
+                <a:moveTo>
+                  <a:pt x="0" y="0"/>
+                </a:moveTo>
+                <a:lnTo>
+                  <a:pt x="120000" y="0"/>
+                </a:lnTo>
+                <a:lnTo>
+                  <a:pt x="120000" y="120000"/>
+                </a:lnTo>
+                <a:lnTo>
+                  <a:pt x="0" y="120000"/>
+                </a:lnTo>
+                <a:close/>
+              </a:path>
+            </a:pathLst>
+          </a:custGeom>
+        </p:spPr>
+      </p:sp>
+      <p:sp>
+        <p:nvSpPr>
+          <p:cNvPr id="231" name="Shape 231"/>
+          <p:cNvSpPr txBox="1">
+            <a:spLocks noGrp="1"/>
+          </p:cNvSpPr>
+          <p:nvPr>
+            <p:ph type="body" idx="1"/>
+          </p:nvPr>
+        </p:nvSpPr>
+        <p:spPr>
+          <a:xfrm>
+            <a:off x="685800" y="4343400"/>
+            <a:ext cx="5486399" cy="4114800"/>
+          </a:xfrm>
+          <a:prstGeom prst="rect">
+            <a:avLst/>
+          </a:prstGeom>
+        </p:spPr>
+        <p:txBody>
+          <a:bodyPr lIns="91425" tIns="91425" rIns="91425" bIns="91425" anchor="t" anchorCtr="0">
+            <a:noAutofit/>
+          </a:bodyPr>
+          <a:lstStyle/>
+          <a:p>
+            <a:pPr lvl="0" rtl="0">
+              <a:spcBef>
+                <a:spcPts val="0"/>
+              </a:spcBef>
+              <a:buNone/>
+            </a:pPr>
+            <a:endParaRPr/>
+          </a:p>
+        </p:txBody>
+      </p:sp>
+    </p:spTree>
+  </p:cSld>
+  <p:clrMapOvr>
+    <a:masterClrMapping/>
+  </p:clrMapOvr>
+</p:notes>
+</file>
+
+<file path=ppt/notesSlides/notesSlide11.xml><?xml version="1.0" encoding="utf-8"?>
+<p:notes xmlns:a="http://schemas.openxmlformats.org/drawingml/2006/main" xmlns:r="http://schemas.openxmlformats.org/officeDocument/2006/relationships" xmlns:p="http://schemas.openxmlformats.org/presentationml/2006/main" showMasterSp="0" showMasterPhAnim="0">
+  <p:cSld>
+    <p:spTree>
+      <p:nvGrpSpPr>
         <p:cNvPr id="1" name="Shape 127"/>
         <p:cNvGrpSpPr/>
         <p:nvPr/>
@@ -691,7 +793,7 @@
 </p:notes>
 </file>
 
-<file path=ppt/notesSlides/notesSlide11.xml><?xml version="1.0" encoding="utf-8"?>
+<file path=ppt/notesSlides/notesSlide12.xml><?xml version="1.0" encoding="utf-8"?>
 <p:notes xmlns:a="http://schemas.openxmlformats.org/drawingml/2006/main" xmlns:r="http://schemas.openxmlformats.org/officeDocument/2006/relationships" xmlns:p="http://schemas.openxmlformats.org/presentationml/2006/main" showMasterSp="0" showMasterPhAnim="0">
   <p:cSld>
     <p:spTree>
@@ -1528,8 +1630,8 @@
         </p:nvSpPr>
         <p:spPr>
           <a:xfrm>
-            <a:off x="381175" y="685800"/>
-            <a:ext cx="6096299" cy="3429000"/>
+            <a:off x="381000" y="685800"/>
+            <a:ext cx="6096000" cy="3429000"/>
           </a:xfrm>
           <a:custGeom>
             <a:avLst/>
@@ -5440,10 +5542,824 @@
   <p:transition xmlns:p14="http://schemas.microsoft.com/office/powerpoint/2010/main" spd="slow">
     <p:cut/>
   </p:transition>
+  <p:timing>
+    <p:tnLst>
+      <p:par>
+        <p:cTn xmlns:p14="http://schemas.microsoft.com/office/powerpoint/2010/main" id="1" dur="indefinite" restart="never" nodeType="tmRoot"/>
+      </p:par>
+    </p:tnLst>
+  </p:timing>
 </p:sld>
 </file>
 
 <file path=ppt/slides/slide10.xml><?xml version="1.0" encoding="utf-8"?>
+<p:sld xmlns:a="http://schemas.openxmlformats.org/drawingml/2006/main" xmlns:r="http://schemas.openxmlformats.org/officeDocument/2006/relationships" xmlns:p="http://schemas.openxmlformats.org/presentationml/2006/main">
+  <p:cSld>
+    <p:spTree>
+      <p:nvGrpSpPr>
+        <p:cNvPr id="1" name="Shape 232"/>
+        <p:cNvGrpSpPr/>
+        <p:nvPr/>
+      </p:nvGrpSpPr>
+      <p:grpSpPr>
+        <a:xfrm>
+          <a:off x="0" y="0"/>
+          <a:ext cx="0" cy="0"/>
+          <a:chOff x="0" y="0"/>
+          <a:chExt cx="0" cy="0"/>
+        </a:xfrm>
+      </p:grpSpPr>
+      <p:sp>
+        <p:nvSpPr>
+          <p:cNvPr id="236" name="Shape 236"/>
+          <p:cNvSpPr txBox="1">
+            <a:spLocks noGrp="1"/>
+          </p:cNvSpPr>
+          <p:nvPr>
+            <p:ph type="title" idx="4294967295"/>
+          </p:nvPr>
+        </p:nvSpPr>
+        <p:spPr>
+          <a:xfrm>
+            <a:off x="3899450" y="271750"/>
+            <a:ext cx="1365299" cy="553499"/>
+          </a:xfrm>
+          <a:prstGeom prst="rect">
+            <a:avLst/>
+          </a:prstGeom>
+        </p:spPr>
+        <p:txBody>
+          <a:bodyPr lIns="91425" tIns="91425" rIns="91425" bIns="91425" anchor="t" anchorCtr="0">
+            <a:noAutofit/>
+          </a:bodyPr>
+          <a:lstStyle/>
+          <a:p>
+            <a:pPr lvl="0" rtl="0">
+              <a:spcBef>
+                <a:spcPts val="0"/>
+              </a:spcBef>
+              <a:buNone/>
+            </a:pPr>
+            <a:r>
+              <a:rPr lang="en-US" dirty="0" smtClean="0"/>
+              <a:t>Sample Output</a:t>
+            </a:r>
+            <a:endParaRPr lang="en" dirty="0"/>
+          </a:p>
+        </p:txBody>
+      </p:sp>
+      <p:sp>
+        <p:nvSpPr>
+          <p:cNvPr id="237" name="Shape 237"/>
+          <p:cNvSpPr/>
+          <p:nvPr/>
+        </p:nvSpPr>
+        <p:spPr>
+          <a:xfrm>
+            <a:off x="3656382" y="657338"/>
+            <a:ext cx="1863608" cy="3921827"/>
+          </a:xfrm>
+          <a:custGeom>
+            <a:avLst/>
+            <a:gdLst/>
+            <a:ahLst/>
+            <a:cxnLst/>
+            <a:rect l="0" t="0" r="0" b="0"/>
+            <a:pathLst>
+              <a:path w="25999" h="54713" extrusionOk="0">
+                <a:moveTo>
+                  <a:pt x="12966" y="2173"/>
+                </a:moveTo>
+                <a:lnTo>
+                  <a:pt x="13169" y="2240"/>
+                </a:lnTo>
+                <a:lnTo>
+                  <a:pt x="13373" y="2308"/>
+                </a:lnTo>
+                <a:lnTo>
+                  <a:pt x="13441" y="2512"/>
+                </a:lnTo>
+                <a:lnTo>
+                  <a:pt x="13509" y="2716"/>
+                </a:lnTo>
+                <a:lnTo>
+                  <a:pt x="13441" y="2919"/>
+                </a:lnTo>
+                <a:lnTo>
+                  <a:pt x="13373" y="3123"/>
+                </a:lnTo>
+                <a:lnTo>
+                  <a:pt x="13169" y="3191"/>
+                </a:lnTo>
+                <a:lnTo>
+                  <a:pt x="12966" y="3259"/>
+                </a:lnTo>
+                <a:lnTo>
+                  <a:pt x="12762" y="3191"/>
+                </a:lnTo>
+                <a:lnTo>
+                  <a:pt x="12626" y="3123"/>
+                </a:lnTo>
+                <a:lnTo>
+                  <a:pt x="12491" y="2919"/>
+                </a:lnTo>
+                <a:lnTo>
+                  <a:pt x="12423" y="2716"/>
+                </a:lnTo>
+                <a:lnTo>
+                  <a:pt x="12491" y="2512"/>
+                </a:lnTo>
+                <a:lnTo>
+                  <a:pt x="12626" y="2308"/>
+                </a:lnTo>
+                <a:lnTo>
+                  <a:pt x="12762" y="2240"/>
+                </a:lnTo>
+                <a:lnTo>
+                  <a:pt x="12966" y="2173"/>
+                </a:lnTo>
+                <a:close/>
+                <a:moveTo>
+                  <a:pt x="14934" y="4480"/>
+                </a:moveTo>
+                <a:lnTo>
+                  <a:pt x="15002" y="4548"/>
+                </a:lnTo>
+                <a:lnTo>
+                  <a:pt x="15070" y="4684"/>
+                </a:lnTo>
+                <a:lnTo>
+                  <a:pt x="15138" y="4752"/>
+                </a:lnTo>
+                <a:lnTo>
+                  <a:pt x="15070" y="4888"/>
+                </a:lnTo>
+                <a:lnTo>
+                  <a:pt x="15002" y="5024"/>
+                </a:lnTo>
+                <a:lnTo>
+                  <a:pt x="14934" y="5024"/>
+                </a:lnTo>
+                <a:lnTo>
+                  <a:pt x="14799" y="5091"/>
+                </a:lnTo>
+                <a:lnTo>
+                  <a:pt x="11065" y="5091"/>
+                </a:lnTo>
+                <a:lnTo>
+                  <a:pt x="10929" y="5024"/>
+                </a:lnTo>
+                <a:lnTo>
+                  <a:pt x="10861" y="5024"/>
+                </a:lnTo>
+                <a:lnTo>
+                  <a:pt x="10794" y="4888"/>
+                </a:lnTo>
+                <a:lnTo>
+                  <a:pt x="10726" y="4752"/>
+                </a:lnTo>
+                <a:lnTo>
+                  <a:pt x="10794" y="4684"/>
+                </a:lnTo>
+                <a:lnTo>
+                  <a:pt x="10861" y="4548"/>
+                </a:lnTo>
+                <a:lnTo>
+                  <a:pt x="10929" y="4480"/>
+                </a:lnTo>
+                <a:close/>
+                <a:moveTo>
+                  <a:pt x="23963" y="7807"/>
+                </a:moveTo>
+                <a:lnTo>
+                  <a:pt x="23963" y="7875"/>
+                </a:lnTo>
+                <a:lnTo>
+                  <a:pt x="23963" y="46771"/>
+                </a:lnTo>
+                <a:lnTo>
+                  <a:pt x="23963" y="46838"/>
+                </a:lnTo>
+                <a:lnTo>
+                  <a:pt x="1969" y="46838"/>
+                </a:lnTo>
+                <a:lnTo>
+                  <a:pt x="1969" y="46771"/>
+                </a:lnTo>
+                <a:lnTo>
+                  <a:pt x="1969" y="7875"/>
+                </a:lnTo>
+                <a:lnTo>
+                  <a:pt x="1969" y="7807"/>
+                </a:lnTo>
+                <a:close/>
+                <a:moveTo>
+                  <a:pt x="12558" y="48536"/>
+                </a:moveTo>
+                <a:lnTo>
+                  <a:pt x="12151" y="48671"/>
+                </a:lnTo>
+                <a:lnTo>
+                  <a:pt x="11812" y="48875"/>
+                </a:lnTo>
+                <a:lnTo>
+                  <a:pt x="11472" y="49146"/>
+                </a:lnTo>
+                <a:lnTo>
+                  <a:pt x="11269" y="49418"/>
+                </a:lnTo>
+                <a:lnTo>
+                  <a:pt x="11065" y="49825"/>
+                </a:lnTo>
+                <a:lnTo>
+                  <a:pt x="10929" y="50165"/>
+                </a:lnTo>
+                <a:lnTo>
+                  <a:pt x="10861" y="50640"/>
+                </a:lnTo>
+                <a:lnTo>
+                  <a:pt x="10929" y="51047"/>
+                </a:lnTo>
+                <a:lnTo>
+                  <a:pt x="11065" y="51454"/>
+                </a:lnTo>
+                <a:lnTo>
+                  <a:pt x="11269" y="51794"/>
+                </a:lnTo>
+                <a:lnTo>
+                  <a:pt x="11472" y="52065"/>
+                </a:lnTo>
+                <a:lnTo>
+                  <a:pt x="11812" y="52337"/>
+                </a:lnTo>
+                <a:lnTo>
+                  <a:pt x="12151" y="52541"/>
+                </a:lnTo>
+                <a:lnTo>
+                  <a:pt x="12558" y="52676"/>
+                </a:lnTo>
+                <a:lnTo>
+                  <a:pt x="12966" y="52744"/>
+                </a:lnTo>
+                <a:lnTo>
+                  <a:pt x="13373" y="52676"/>
+                </a:lnTo>
+                <a:lnTo>
+                  <a:pt x="13780" y="52541"/>
+                </a:lnTo>
+                <a:lnTo>
+                  <a:pt x="14120" y="52337"/>
+                </a:lnTo>
+                <a:lnTo>
+                  <a:pt x="14459" y="52065"/>
+                </a:lnTo>
+                <a:lnTo>
+                  <a:pt x="14731" y="51794"/>
+                </a:lnTo>
+                <a:lnTo>
+                  <a:pt x="14934" y="51454"/>
+                </a:lnTo>
+                <a:lnTo>
+                  <a:pt x="15002" y="51047"/>
+                </a:lnTo>
+                <a:lnTo>
+                  <a:pt x="15070" y="50640"/>
+                </a:lnTo>
+                <a:lnTo>
+                  <a:pt x="15002" y="50165"/>
+                </a:lnTo>
+                <a:lnTo>
+                  <a:pt x="14934" y="49825"/>
+                </a:lnTo>
+                <a:lnTo>
+                  <a:pt x="14731" y="49418"/>
+                </a:lnTo>
+                <a:lnTo>
+                  <a:pt x="14459" y="49146"/>
+                </a:lnTo>
+                <a:lnTo>
+                  <a:pt x="14120" y="48875"/>
+                </a:lnTo>
+                <a:lnTo>
+                  <a:pt x="13780" y="48671"/>
+                </a:lnTo>
+                <a:lnTo>
+                  <a:pt x="13373" y="48536"/>
+                </a:lnTo>
+                <a:close/>
+                <a:moveTo>
+                  <a:pt x="12966" y="48332"/>
+                </a:moveTo>
+                <a:lnTo>
+                  <a:pt x="13441" y="48400"/>
+                </a:lnTo>
+                <a:lnTo>
+                  <a:pt x="13848" y="48536"/>
+                </a:lnTo>
+                <a:lnTo>
+                  <a:pt x="14256" y="48739"/>
+                </a:lnTo>
+                <a:lnTo>
+                  <a:pt x="14595" y="49011"/>
+                </a:lnTo>
+                <a:lnTo>
+                  <a:pt x="14866" y="49350"/>
+                </a:lnTo>
+                <a:lnTo>
+                  <a:pt x="15070" y="49757"/>
+                </a:lnTo>
+                <a:lnTo>
+                  <a:pt x="15206" y="50165"/>
+                </a:lnTo>
+                <a:lnTo>
+                  <a:pt x="15274" y="50640"/>
+                </a:lnTo>
+                <a:lnTo>
+                  <a:pt x="15206" y="51047"/>
+                </a:lnTo>
+                <a:lnTo>
+                  <a:pt x="15070" y="51522"/>
+                </a:lnTo>
+                <a:lnTo>
+                  <a:pt x="14866" y="51862"/>
+                </a:lnTo>
+                <a:lnTo>
+                  <a:pt x="14595" y="52201"/>
+                </a:lnTo>
+                <a:lnTo>
+                  <a:pt x="14256" y="52473"/>
+                </a:lnTo>
+                <a:lnTo>
+                  <a:pt x="13848" y="52676"/>
+                </a:lnTo>
+                <a:lnTo>
+                  <a:pt x="13441" y="52812"/>
+                </a:lnTo>
+                <a:lnTo>
+                  <a:pt x="12966" y="52880"/>
+                </a:lnTo>
+                <a:lnTo>
+                  <a:pt x="12558" y="52812"/>
+                </a:lnTo>
+                <a:lnTo>
+                  <a:pt x="12083" y="52676"/>
+                </a:lnTo>
+                <a:lnTo>
+                  <a:pt x="11744" y="52473"/>
+                </a:lnTo>
+                <a:lnTo>
+                  <a:pt x="11404" y="52201"/>
+                </a:lnTo>
+                <a:lnTo>
+                  <a:pt x="11133" y="51862"/>
+                </a:lnTo>
+                <a:lnTo>
+                  <a:pt x="10929" y="51522"/>
+                </a:lnTo>
+                <a:lnTo>
+                  <a:pt x="10794" y="51047"/>
+                </a:lnTo>
+                <a:lnTo>
+                  <a:pt x="10726" y="50640"/>
+                </a:lnTo>
+                <a:lnTo>
+                  <a:pt x="10794" y="50165"/>
+                </a:lnTo>
+                <a:lnTo>
+                  <a:pt x="10929" y="49757"/>
+                </a:lnTo>
+                <a:lnTo>
+                  <a:pt x="11133" y="49350"/>
+                </a:lnTo>
+                <a:lnTo>
+                  <a:pt x="11404" y="49011"/>
+                </a:lnTo>
+                <a:lnTo>
+                  <a:pt x="11744" y="48739"/>
+                </a:lnTo>
+                <a:lnTo>
+                  <a:pt x="12083" y="48536"/>
+                </a:lnTo>
+                <a:lnTo>
+                  <a:pt x="12558" y="48400"/>
+                </a:lnTo>
+                <a:lnTo>
+                  <a:pt x="12966" y="48332"/>
+                </a:lnTo>
+                <a:close/>
+                <a:moveTo>
+                  <a:pt x="3938" y="679"/>
+                </a:moveTo>
+                <a:lnTo>
+                  <a:pt x="3259" y="747"/>
+                </a:lnTo>
+                <a:lnTo>
+                  <a:pt x="2648" y="951"/>
+                </a:lnTo>
+                <a:lnTo>
+                  <a:pt x="2105" y="1222"/>
+                </a:lnTo>
+                <a:lnTo>
+                  <a:pt x="1630" y="1629"/>
+                </a:lnTo>
+                <a:lnTo>
+                  <a:pt x="1290" y="2105"/>
+                </a:lnTo>
+                <a:lnTo>
+                  <a:pt x="951" y="2648"/>
+                </a:lnTo>
+                <a:lnTo>
+                  <a:pt x="747" y="3259"/>
+                </a:lnTo>
+                <a:lnTo>
+                  <a:pt x="747" y="3870"/>
+                </a:lnTo>
+                <a:lnTo>
+                  <a:pt x="747" y="50776"/>
+                </a:lnTo>
+                <a:lnTo>
+                  <a:pt x="747" y="51387"/>
+                </a:lnTo>
+                <a:lnTo>
+                  <a:pt x="951" y="51997"/>
+                </a:lnTo>
+                <a:lnTo>
+                  <a:pt x="1290" y="52541"/>
+                </a:lnTo>
+                <a:lnTo>
+                  <a:pt x="1630" y="53016"/>
+                </a:lnTo>
+                <a:lnTo>
+                  <a:pt x="2105" y="53423"/>
+                </a:lnTo>
+                <a:lnTo>
+                  <a:pt x="2648" y="53695"/>
+                </a:lnTo>
+                <a:lnTo>
+                  <a:pt x="3259" y="53898"/>
+                </a:lnTo>
+                <a:lnTo>
+                  <a:pt x="3938" y="53966"/>
+                </a:lnTo>
+                <a:lnTo>
+                  <a:pt x="22062" y="53966"/>
+                </a:lnTo>
+                <a:lnTo>
+                  <a:pt x="22741" y="53898"/>
+                </a:lnTo>
+                <a:lnTo>
+                  <a:pt x="23352" y="53695"/>
+                </a:lnTo>
+                <a:lnTo>
+                  <a:pt x="23895" y="53423"/>
+                </a:lnTo>
+                <a:lnTo>
+                  <a:pt x="24370" y="53016"/>
+                </a:lnTo>
+                <a:lnTo>
+                  <a:pt x="24709" y="52541"/>
+                </a:lnTo>
+                <a:lnTo>
+                  <a:pt x="25049" y="51997"/>
+                </a:lnTo>
+                <a:lnTo>
+                  <a:pt x="25252" y="51387"/>
+                </a:lnTo>
+                <a:lnTo>
+                  <a:pt x="25320" y="50776"/>
+                </a:lnTo>
+                <a:lnTo>
+                  <a:pt x="25320" y="3870"/>
+                </a:lnTo>
+                <a:lnTo>
+                  <a:pt x="25252" y="3259"/>
+                </a:lnTo>
+                <a:lnTo>
+                  <a:pt x="25049" y="2648"/>
+                </a:lnTo>
+                <a:lnTo>
+                  <a:pt x="24709" y="2105"/>
+                </a:lnTo>
+                <a:lnTo>
+                  <a:pt x="24370" y="1629"/>
+                </a:lnTo>
+                <a:lnTo>
+                  <a:pt x="23895" y="1222"/>
+                </a:lnTo>
+                <a:lnTo>
+                  <a:pt x="23352" y="951"/>
+                </a:lnTo>
+                <a:lnTo>
+                  <a:pt x="22741" y="747"/>
+                </a:lnTo>
+                <a:lnTo>
+                  <a:pt x="22062" y="679"/>
+                </a:lnTo>
+                <a:close/>
+                <a:moveTo>
+                  <a:pt x="22062" y="543"/>
+                </a:moveTo>
+                <a:lnTo>
+                  <a:pt x="22741" y="611"/>
+                </a:lnTo>
+                <a:lnTo>
+                  <a:pt x="23419" y="815"/>
+                </a:lnTo>
+                <a:lnTo>
+                  <a:pt x="23963" y="1086"/>
+                </a:lnTo>
+                <a:lnTo>
+                  <a:pt x="24438" y="1494"/>
+                </a:lnTo>
+                <a:lnTo>
+                  <a:pt x="24845" y="2037"/>
+                </a:lnTo>
+                <a:lnTo>
+                  <a:pt x="25184" y="2580"/>
+                </a:lnTo>
+                <a:lnTo>
+                  <a:pt x="25388" y="3191"/>
+                </a:lnTo>
+                <a:lnTo>
+                  <a:pt x="25456" y="3870"/>
+                </a:lnTo>
+                <a:lnTo>
+                  <a:pt x="25456" y="50776"/>
+                </a:lnTo>
+                <a:lnTo>
+                  <a:pt x="25388" y="51454"/>
+                </a:lnTo>
+                <a:lnTo>
+                  <a:pt x="25184" y="52065"/>
+                </a:lnTo>
+                <a:lnTo>
+                  <a:pt x="24845" y="52676"/>
+                </a:lnTo>
+                <a:lnTo>
+                  <a:pt x="24438" y="53151"/>
+                </a:lnTo>
+                <a:lnTo>
+                  <a:pt x="23963" y="53559"/>
+                </a:lnTo>
+                <a:lnTo>
+                  <a:pt x="23419" y="53898"/>
+                </a:lnTo>
+                <a:lnTo>
+                  <a:pt x="22741" y="54102"/>
+                </a:lnTo>
+                <a:lnTo>
+                  <a:pt x="22062" y="54170"/>
+                </a:lnTo>
+                <a:lnTo>
+                  <a:pt x="3938" y="54170"/>
+                </a:lnTo>
+                <a:lnTo>
+                  <a:pt x="3259" y="54102"/>
+                </a:lnTo>
+                <a:lnTo>
+                  <a:pt x="2580" y="53898"/>
+                </a:lnTo>
+                <a:lnTo>
+                  <a:pt x="2037" y="53559"/>
+                </a:lnTo>
+                <a:lnTo>
+                  <a:pt x="1562" y="53151"/>
+                </a:lnTo>
+                <a:lnTo>
+                  <a:pt x="1154" y="52676"/>
+                </a:lnTo>
+                <a:lnTo>
+                  <a:pt x="815" y="52065"/>
+                </a:lnTo>
+                <a:lnTo>
+                  <a:pt x="611" y="51454"/>
+                </a:lnTo>
+                <a:lnTo>
+                  <a:pt x="543" y="50776"/>
+                </a:lnTo>
+                <a:lnTo>
+                  <a:pt x="543" y="3870"/>
+                </a:lnTo>
+                <a:lnTo>
+                  <a:pt x="611" y="3191"/>
+                </a:lnTo>
+                <a:lnTo>
+                  <a:pt x="815" y="2580"/>
+                </a:lnTo>
+                <a:lnTo>
+                  <a:pt x="1154" y="2037"/>
+                </a:lnTo>
+                <a:lnTo>
+                  <a:pt x="1562" y="1494"/>
+                </a:lnTo>
+                <a:lnTo>
+                  <a:pt x="2037" y="1086"/>
+                </a:lnTo>
+                <a:lnTo>
+                  <a:pt x="2580" y="815"/>
+                </a:lnTo>
+                <a:lnTo>
+                  <a:pt x="3259" y="611"/>
+                </a:lnTo>
+                <a:lnTo>
+                  <a:pt x="3938" y="543"/>
+                </a:lnTo>
+                <a:close/>
+                <a:moveTo>
+                  <a:pt x="3938" y="0"/>
+                </a:moveTo>
+                <a:lnTo>
+                  <a:pt x="3123" y="68"/>
+                </a:lnTo>
+                <a:lnTo>
+                  <a:pt x="2444" y="272"/>
+                </a:lnTo>
+                <a:lnTo>
+                  <a:pt x="1765" y="611"/>
+                </a:lnTo>
+                <a:lnTo>
+                  <a:pt x="1154" y="1154"/>
+                </a:lnTo>
+                <a:lnTo>
+                  <a:pt x="679" y="1697"/>
+                </a:lnTo>
+                <a:lnTo>
+                  <a:pt x="272" y="2376"/>
+                </a:lnTo>
+                <a:lnTo>
+                  <a:pt x="68" y="3123"/>
+                </a:lnTo>
+                <a:lnTo>
+                  <a:pt x="0" y="3870"/>
+                </a:lnTo>
+                <a:lnTo>
+                  <a:pt x="0" y="50776"/>
+                </a:lnTo>
+                <a:lnTo>
+                  <a:pt x="68" y="51522"/>
+                </a:lnTo>
+                <a:lnTo>
+                  <a:pt x="272" y="52269"/>
+                </a:lnTo>
+                <a:lnTo>
+                  <a:pt x="679" y="52948"/>
+                </a:lnTo>
+                <a:lnTo>
+                  <a:pt x="1154" y="53559"/>
+                </a:lnTo>
+                <a:lnTo>
+                  <a:pt x="1765" y="54034"/>
+                </a:lnTo>
+                <a:lnTo>
+                  <a:pt x="2444" y="54373"/>
+                </a:lnTo>
+                <a:lnTo>
+                  <a:pt x="3123" y="54645"/>
+                </a:lnTo>
+                <a:lnTo>
+                  <a:pt x="3938" y="54713"/>
+                </a:lnTo>
+                <a:lnTo>
+                  <a:pt x="22062" y="54713"/>
+                </a:lnTo>
+                <a:lnTo>
+                  <a:pt x="22876" y="54645"/>
+                </a:lnTo>
+                <a:lnTo>
+                  <a:pt x="23555" y="54373"/>
+                </a:lnTo>
+                <a:lnTo>
+                  <a:pt x="24234" y="54034"/>
+                </a:lnTo>
+                <a:lnTo>
+                  <a:pt x="24845" y="53559"/>
+                </a:lnTo>
+                <a:lnTo>
+                  <a:pt x="25320" y="52948"/>
+                </a:lnTo>
+                <a:lnTo>
+                  <a:pt x="25727" y="52269"/>
+                </a:lnTo>
+                <a:lnTo>
+                  <a:pt x="25931" y="51522"/>
+                </a:lnTo>
+                <a:lnTo>
+                  <a:pt x="25999" y="50776"/>
+                </a:lnTo>
+                <a:lnTo>
+                  <a:pt x="25999" y="3870"/>
+                </a:lnTo>
+                <a:lnTo>
+                  <a:pt x="25931" y="3123"/>
+                </a:lnTo>
+                <a:lnTo>
+                  <a:pt x="25727" y="2376"/>
+                </a:lnTo>
+                <a:lnTo>
+                  <a:pt x="25320" y="1697"/>
+                </a:lnTo>
+                <a:lnTo>
+                  <a:pt x="24845" y="1154"/>
+                </a:lnTo>
+                <a:lnTo>
+                  <a:pt x="24234" y="611"/>
+                </a:lnTo>
+                <a:lnTo>
+                  <a:pt x="23555" y="272"/>
+                </a:lnTo>
+                <a:lnTo>
+                  <a:pt x="22876" y="68"/>
+                </a:lnTo>
+                <a:lnTo>
+                  <a:pt x="22062" y="0"/>
+                </a:lnTo>
+                <a:close/>
+              </a:path>
+            </a:pathLst>
+          </a:custGeom>
+          <a:solidFill>
+            <a:srgbClr val="FFFFFF"/>
+          </a:solidFill>
+          <a:ln w="9525" cap="flat" cmpd="sng">
+            <a:solidFill>
+              <a:srgbClr val="999999"/>
+            </a:solidFill>
+            <a:prstDash val="solid"/>
+            <a:round/>
+            <a:headEnd type="none" w="med" len="med"/>
+            <a:tailEnd type="none" w="med" len="med"/>
+          </a:ln>
+        </p:spPr>
+        <p:txBody>
+          <a:bodyPr lIns="91425" tIns="91425" rIns="91425" bIns="91425" anchor="ctr" anchorCtr="0">
+            <a:noAutofit/>
+          </a:bodyPr>
+          <a:lstStyle/>
+          <a:p>
+            <a:pPr lvl="0">
+              <a:spcBef>
+                <a:spcPts val="0"/>
+              </a:spcBef>
+              <a:buNone/>
+            </a:pPr>
+            <a:endParaRPr/>
+          </a:p>
+        </p:txBody>
+      </p:sp>
+      <p:pic>
+        <p:nvPicPr>
+          <p:cNvPr id="2" name="Picture 1" descr="IMG_9812.PNG"/>
+          <p:cNvPicPr>
+            <a:picLocks noChangeAspect="1"/>
+          </p:cNvPicPr>
+          <p:nvPr/>
+        </p:nvPicPr>
+        <p:blipFill>
+          <a:blip r:embed="rId3">
+            <a:extLst>
+              <a:ext uri="{28A0092B-C50C-407E-A947-70E740481C1C}">
+                <a14:useLocalDpi xmlns:a14="http://schemas.microsoft.com/office/drawing/2010/main" val="0"/>
+              </a:ext>
+            </a:extLst>
+          </a:blip>
+          <a:stretch>
+            <a:fillRect/>
+          </a:stretch>
+        </p:blipFill>
+        <p:spPr>
+          <a:xfrm>
+            <a:off x="3794380" y="1233045"/>
+            <a:ext cx="1553317" cy="2757138"/>
+          </a:xfrm>
+          <a:prstGeom prst="rect">
+            <a:avLst/>
+          </a:prstGeom>
+        </p:spPr>
+      </p:pic>
+    </p:spTree>
+    <p:extLst>
+      <p:ext uri="{BB962C8B-B14F-4D97-AF65-F5344CB8AC3E}">
+        <p14:creationId xmlns:p14="http://schemas.microsoft.com/office/powerpoint/2010/main" val="2870219522"/>
+      </p:ext>
+    </p:extLst>
+  </p:cSld>
+  <p:clrMapOvr>
+    <a:masterClrMapping/>
+  </p:clrMapOvr>
+  <p:transition xmlns:p14="http://schemas.microsoft.com/office/powerpoint/2010/main" spd="slow">
+    <p:cut/>
+  </p:transition>
+  <p:timing>
+    <p:tnLst>
+      <p:par>
+        <p:cTn xmlns:p14="http://schemas.microsoft.com/office/powerpoint/2010/main" id="1" dur="indefinite" restart="never" nodeType="tmRoot"/>
+      </p:par>
+    </p:tnLst>
+  </p:timing>
+</p:sld>
+</file>
+
+<file path=ppt/slides/slide11.xml><?xml version="1.0" encoding="utf-8"?>
 <p:sld xmlns:a="http://schemas.openxmlformats.org/drawingml/2006/main" xmlns:r="http://schemas.openxmlformats.org/officeDocument/2006/relationships" xmlns:p="http://schemas.openxmlformats.org/presentationml/2006/main">
   <p:cSld>
     <p:spTree>
@@ -5506,10 +6422,17 @@
   <p:transition xmlns:p14="http://schemas.microsoft.com/office/powerpoint/2010/main" spd="slow">
     <p:cut/>
   </p:transition>
+  <p:timing>
+    <p:tnLst>
+      <p:par>
+        <p:cTn xmlns:p14="http://schemas.microsoft.com/office/powerpoint/2010/main" id="1" dur="indefinite" restart="never" nodeType="tmRoot"/>
+      </p:par>
+    </p:tnLst>
+  </p:timing>
 </p:sld>
 </file>
 
-<file path=ppt/slides/slide11.xml><?xml version="1.0" encoding="utf-8"?>
+<file path=ppt/slides/slide12.xml><?xml version="1.0" encoding="utf-8"?>
 <p:sld xmlns:a="http://schemas.openxmlformats.org/drawingml/2006/main" xmlns:r="http://schemas.openxmlformats.org/officeDocument/2006/relationships" xmlns:p="http://schemas.openxmlformats.org/presentationml/2006/main">
   <p:cSld>
     <p:spTree>
@@ -6111,6 +7034,13 @@
   <p:transition xmlns:p14="http://schemas.microsoft.com/office/powerpoint/2010/main" spd="slow">
     <p:cut/>
   </p:transition>
+  <p:timing>
+    <p:tnLst>
+      <p:par>
+        <p:cTn xmlns:p14="http://schemas.microsoft.com/office/powerpoint/2010/main" id="1" dur="indefinite" restart="never" nodeType="tmRoot"/>
+      </p:par>
+    </p:tnLst>
+  </p:timing>
 </p:sld>
 </file>
 
@@ -6833,6 +7763,13 @@
   <p:transition xmlns:p14="http://schemas.microsoft.com/office/powerpoint/2010/main" spd="slow">
     <p:cut/>
   </p:transition>
+  <p:timing>
+    <p:tnLst>
+      <p:par>
+        <p:cTn xmlns:p14="http://schemas.microsoft.com/office/powerpoint/2010/main" id="1" dur="indefinite" restart="never" nodeType="tmRoot"/>
+      </p:par>
+    </p:tnLst>
+  </p:timing>
 </p:sld>
 </file>
 
@@ -7150,6 +8087,13 @@
   <p:transition xmlns:p14="http://schemas.microsoft.com/office/powerpoint/2010/main" spd="slow">
     <p:cut/>
   </p:transition>
+  <p:timing>
+    <p:tnLst>
+      <p:par>
+        <p:cTn xmlns:p14="http://schemas.microsoft.com/office/powerpoint/2010/main" id="1" dur="indefinite" restart="never" nodeType="tmRoot"/>
+      </p:par>
+    </p:tnLst>
+  </p:timing>
 </p:sld>
 </file>
 
@@ -7378,6 +8322,13 @@
   <p:transition xmlns:p14="http://schemas.microsoft.com/office/powerpoint/2010/main" spd="slow">
     <p:cut/>
   </p:transition>
+  <p:timing>
+    <p:tnLst>
+      <p:par>
+        <p:cTn xmlns:p14="http://schemas.microsoft.com/office/powerpoint/2010/main" id="1" dur="indefinite" restart="never" nodeType="tmRoot"/>
+      </p:par>
+    </p:tnLst>
+  </p:timing>
 </p:sld>
 </file>
 
@@ -8132,6 +9083,13 @@
   <p:transition xmlns:p14="http://schemas.microsoft.com/office/powerpoint/2010/main" spd="slow">
     <p:cut/>
   </p:transition>
+  <p:timing>
+    <p:tnLst>
+      <p:par>
+        <p:cTn xmlns:p14="http://schemas.microsoft.com/office/powerpoint/2010/main" id="1" dur="indefinite" restart="never" nodeType="tmRoot"/>
+      </p:par>
+    </p:tnLst>
+  </p:timing>
 </p:sld>
 </file>
 
@@ -8572,6 +9530,13 @@
   <p:transition xmlns:p14="http://schemas.microsoft.com/office/powerpoint/2010/main" spd="slow">
     <p:cut/>
   </p:transition>
+  <p:timing>
+    <p:tnLst>
+      <p:par>
+        <p:cTn xmlns:p14="http://schemas.microsoft.com/office/powerpoint/2010/main" id="1" dur="indefinite" restart="never" nodeType="tmRoot"/>
+      </p:par>
+    </p:tnLst>
+  </p:timing>
 </p:sld>
 </file>
 
@@ -9294,6 +10259,13 @@
   <p:transition xmlns:p14="http://schemas.microsoft.com/office/powerpoint/2010/main" spd="slow">
     <p:cut/>
   </p:transition>
+  <p:timing>
+    <p:tnLst>
+      <p:par>
+        <p:cTn xmlns:p14="http://schemas.microsoft.com/office/powerpoint/2010/main" id="1" dur="indefinite" restart="never" nodeType="tmRoot"/>
+      </p:par>
+    </p:tnLst>
+  </p:timing>
 </p:sld>
 </file>
 
@@ -9578,6 +10550,13 @@
   <p:transition xmlns:p14="http://schemas.microsoft.com/office/powerpoint/2010/main" spd="slow">
     <p:cut/>
   </p:transition>
+  <p:timing>
+    <p:tnLst>
+      <p:par>
+        <p:cTn xmlns:p14="http://schemas.microsoft.com/office/powerpoint/2010/main" id="1" dur="indefinite" restart="never" nodeType="tmRoot"/>
+      </p:par>
+    </p:tnLst>
+  </p:timing>
 </p:sld>
 </file>
 
@@ -10292,6 +11271,34 @@
           </p:txBody>
         </p:sp>
       </p:grpSp>
+      <p:sp>
+        <p:nvSpPr>
+          <p:cNvPr id="2" name="Rectangle 1"/>
+          <p:cNvSpPr/>
+          <p:nvPr/>
+        </p:nvSpPr>
+        <p:spPr>
+          <a:xfrm>
+            <a:off x="4479667" y="2417862"/>
+            <a:ext cx="184666" cy="307777"/>
+          </a:xfrm>
+          <a:prstGeom prst="rect">
+            <a:avLst/>
+          </a:prstGeom>
+        </p:spPr>
+        <p:txBody>
+          <a:bodyPr wrap="none">
+            <a:spAutoFit/>
+          </a:bodyPr>
+          <a:lstStyle/>
+          <a:p>
+            <a:r>
+              <a:rPr lang="en-US" dirty="0"/>
+              <a:t> </a:t>
+            </a:r>
+          </a:p>
+        </p:txBody>
+      </p:sp>
     </p:spTree>
   </p:cSld>
   <p:clrMapOvr>
@@ -10300,6 +11307,13 @@
   <p:transition xmlns:p14="http://schemas.microsoft.com/office/powerpoint/2010/main" spd="slow">
     <p:cut/>
   </p:transition>
+  <p:timing>
+    <p:tnLst>
+      <p:par>
+        <p:cTn xmlns:p14="http://schemas.microsoft.com/office/powerpoint/2010/main" id="1" dur="indefinite" restart="never" nodeType="tmRoot"/>
+      </p:par>
+    </p:tnLst>
+  </p:timing>
 </p:sld>
 </file>
 

--- a/VVS.pptx
+++ b/VVS.pptx
@@ -1327,8 +1327,8 @@
         </p:nvSpPr>
         <p:spPr>
           <a:xfrm>
-            <a:off x="381175" y="685800"/>
-            <a:ext cx="6096299" cy="3429000"/>
+            <a:off x="381000" y="685800"/>
+            <a:ext cx="6096000" cy="3429000"/>
           </a:xfrm>
           <a:custGeom>
             <a:avLst/>
@@ -9185,7 +9185,7 @@
               <a:buNone/>
             </a:pPr>
             <a:r>
-              <a:rPr lang="en" sz="3000">
+              <a:rPr lang="en" sz="3000" dirty="0" smtClean="0">
                 <a:solidFill>
                   <a:srgbClr val="434343"/>
                 </a:solidFill>
@@ -9196,6 +9196,15 @@
               </a:rPr>
               <a:t>COMELEC</a:t>
             </a:r>
+            <a:endParaRPr lang="en" sz="3000" dirty="0">
+              <a:solidFill>
+                <a:srgbClr val="434343"/>
+              </a:solidFill>
+              <a:latin typeface="Montserrat"/>
+              <a:ea typeface="Montserrat"/>
+              <a:cs typeface="Montserrat"/>
+              <a:sym typeface="Montserrat"/>
+            </a:endParaRPr>
           </a:p>
           <a:p>
             <a:pPr lvl="0" rtl="0">
@@ -9204,7 +9213,7 @@
               </a:spcBef>
               <a:buNone/>
             </a:pPr>
-            <a:endParaRPr sz="1200">
+            <a:endParaRPr sz="1200" dirty="0">
               <a:solidFill>
                 <a:srgbClr val="333333"/>
               </a:solidFill>
@@ -9224,30 +9233,7 @@
               <a:buFont typeface="Montserrat"/>
               <a:buChar char="⊡"/>
             </a:pPr>
-            <a:r>
-              <a:rPr lang="en">
-                <a:solidFill>
-                  <a:srgbClr val="333333"/>
-                </a:solidFill>
-                <a:highlight>
-                  <a:srgbClr val="FFFFFF"/>
-                </a:highlight>
-                <a:latin typeface="Montserrat"/>
-                <a:ea typeface="Montserrat"/>
-                <a:cs typeface="Montserrat"/>
-                <a:sym typeface="Montserrat"/>
-              </a:rPr>
-              <a:t>can be used a long side with the printing of the voting receipt or it could also be used as an alternative.</a:t>
-            </a:r>
-          </a:p>
-          <a:p>
-            <a:pPr lvl="0" rtl="0">
-              <a:spcBef>
-                <a:spcPts val="600"/>
-              </a:spcBef>
-              <a:buNone/>
-            </a:pPr>
-            <a:endParaRPr>
+            <a:endParaRPr lang="en-US" dirty="0" smtClean="0">
               <a:solidFill>
                 <a:srgbClr val="333333"/>
               </a:solidFill>
@@ -9272,7 +9258,7 @@
               <a:buChar char="⊡"/>
             </a:pPr>
             <a:r>
-              <a:rPr lang="en">
+              <a:rPr lang="en" dirty="0" smtClean="0">
                 <a:solidFill>
                   <a:srgbClr val="333333"/>
                 </a:solidFill>
@@ -9284,7 +9270,22 @@
                 <a:cs typeface="Montserrat"/>
                 <a:sym typeface="Montserrat"/>
               </a:rPr>
-              <a:t>Less Cost</a:t>
+              <a:t>can </a:t>
+            </a:r>
+            <a:r>
+              <a:rPr lang="en" dirty="0">
+                <a:solidFill>
+                  <a:srgbClr val="333333"/>
+                </a:solidFill>
+                <a:highlight>
+                  <a:srgbClr val="FFFFFF"/>
+                </a:highlight>
+                <a:latin typeface="Montserrat"/>
+                <a:ea typeface="Montserrat"/>
+                <a:cs typeface="Montserrat"/>
+                <a:sym typeface="Montserrat"/>
+              </a:rPr>
+              <a:t>be used a long side with the printing of the voting receipt or it could also be used as an alternative.</a:t>
             </a:r>
           </a:p>
           <a:p>
@@ -9294,7 +9295,7 @@
               </a:spcBef>
               <a:buNone/>
             </a:pPr>
-            <a:endParaRPr>
+            <a:endParaRPr dirty="0">
               <a:solidFill>
                 <a:srgbClr val="333333"/>
               </a:solidFill>
@@ -9319,7 +9320,7 @@
               <a:buChar char="⊡"/>
             </a:pPr>
             <a:r>
-              <a:rPr lang="en">
+              <a:rPr lang="en" dirty="0">
                 <a:solidFill>
                   <a:srgbClr val="333333"/>
                 </a:solidFill>
@@ -9368,7 +9369,7 @@
               <a:buNone/>
             </a:pPr>
             <a:r>
-              <a:rPr lang="en" sz="3000">
+              <a:rPr lang="en" sz="3000" dirty="0">
                 <a:solidFill>
                   <a:srgbClr val="434343"/>
                 </a:solidFill>
@@ -9387,7 +9388,7 @@
               </a:spcBef>
               <a:buNone/>
             </a:pPr>
-            <a:endParaRPr sz="1200">
+            <a:endParaRPr sz="1200" dirty="0">
               <a:solidFill>
                 <a:srgbClr val="333333"/>
               </a:solidFill>
@@ -9411,30 +9412,7 @@
               <a:buFont typeface="Montserrat"/>
               <a:buChar char="⊡"/>
             </a:pPr>
-            <a:r>
-              <a:rPr lang="en">
-                <a:solidFill>
-                  <a:srgbClr val="333333"/>
-                </a:solidFill>
-                <a:highlight>
-                  <a:srgbClr val="FFFFFF"/>
-                </a:highlight>
-                <a:latin typeface="Montserrat"/>
-                <a:ea typeface="Montserrat"/>
-                <a:cs typeface="Montserrat"/>
-                <a:sym typeface="Montserrat"/>
-              </a:rPr>
-              <a:t>Faster Voting Process</a:t>
-            </a:r>
-          </a:p>
-          <a:p>
-            <a:pPr lvl="0" rtl="0">
-              <a:spcBef>
-                <a:spcPts val="600"/>
-              </a:spcBef>
-              <a:buNone/>
-            </a:pPr>
-            <a:endParaRPr>
+            <a:endParaRPr lang="en-US" dirty="0" smtClean="0">
               <a:solidFill>
                 <a:srgbClr val="333333"/>
               </a:solidFill>
@@ -9459,7 +9437,69 @@
               <a:buChar char="⊡"/>
             </a:pPr>
             <a:r>
-              <a:rPr lang="en">
+              <a:rPr lang="en" dirty="0" smtClean="0">
+                <a:solidFill>
+                  <a:srgbClr val="333333"/>
+                </a:solidFill>
+                <a:highlight>
+                  <a:srgbClr val="FFFFFF"/>
+                </a:highlight>
+                <a:latin typeface="Montserrat"/>
+                <a:ea typeface="Montserrat"/>
+                <a:cs typeface="Montserrat"/>
+                <a:sym typeface="Montserrat"/>
+              </a:rPr>
+              <a:t>Faster </a:t>
+            </a:r>
+            <a:r>
+              <a:rPr lang="en" dirty="0">
+                <a:solidFill>
+                  <a:srgbClr val="333333"/>
+                </a:solidFill>
+                <a:highlight>
+                  <a:srgbClr val="FFFFFF"/>
+                </a:highlight>
+                <a:latin typeface="Montserrat"/>
+                <a:ea typeface="Montserrat"/>
+                <a:cs typeface="Montserrat"/>
+                <a:sym typeface="Montserrat"/>
+              </a:rPr>
+              <a:t>Voting Process</a:t>
+            </a:r>
+          </a:p>
+          <a:p>
+            <a:pPr lvl="0" rtl="0">
+              <a:spcBef>
+                <a:spcPts val="600"/>
+              </a:spcBef>
+              <a:buNone/>
+            </a:pPr>
+            <a:endParaRPr dirty="0">
+              <a:solidFill>
+                <a:srgbClr val="333333"/>
+              </a:solidFill>
+              <a:highlight>
+                <a:srgbClr val="FFFFFF"/>
+              </a:highlight>
+              <a:latin typeface="Montserrat"/>
+              <a:ea typeface="Montserrat"/>
+              <a:cs typeface="Montserrat"/>
+              <a:sym typeface="Montserrat"/>
+            </a:endParaRPr>
+          </a:p>
+          <a:p>
+            <a:pPr marL="457200" lvl="0" indent="-317500" rtl="0">
+              <a:spcBef>
+                <a:spcPts val="600"/>
+              </a:spcBef>
+              <a:buClr>
+                <a:srgbClr val="333333"/>
+              </a:buClr>
+              <a:buFont typeface="Montserrat"/>
+              <a:buChar char="⊡"/>
+            </a:pPr>
+            <a:r>
+              <a:rPr lang="en" dirty="0">
                 <a:solidFill>
                   <a:srgbClr val="333333"/>
                 </a:solidFill>
@@ -9481,7 +9521,7 @@
               </a:spcBef>
               <a:buNone/>
             </a:pPr>
-            <a:endParaRPr sz="1200">
+            <a:endParaRPr sz="1200" dirty="0">
               <a:solidFill>
                 <a:srgbClr val="333333"/>
               </a:solidFill>

--- a/VVS.pptx
+++ b/VVS.pptx
@@ -9332,8 +9332,80 @@
                 <a:cs typeface="Montserrat"/>
                 <a:sym typeface="Montserrat"/>
               </a:rPr>
-              <a:t>Faster Results</a:t>
+              <a:t>Faster </a:t>
             </a:r>
+            <a:r>
+              <a:rPr lang="en-US" dirty="0" smtClean="0">
+                <a:solidFill>
+                  <a:srgbClr val="333333"/>
+                </a:solidFill>
+                <a:highlight>
+                  <a:srgbClr val="FFFFFF"/>
+                </a:highlight>
+                <a:latin typeface="Montserrat"/>
+                <a:ea typeface="Montserrat"/>
+                <a:cs typeface="Montserrat"/>
+                <a:sym typeface="Montserrat"/>
+              </a:rPr>
+              <a:t>giving </a:t>
+            </a:r>
+            <a:r>
+              <a:rPr lang="en-US" smtClean="0">
+                <a:solidFill>
+                  <a:srgbClr val="333333"/>
+                </a:solidFill>
+                <a:highlight>
+                  <a:srgbClr val="FFFFFF"/>
+                </a:highlight>
+                <a:latin typeface="Montserrat"/>
+                <a:ea typeface="Montserrat"/>
+                <a:cs typeface="Montserrat"/>
+                <a:sym typeface="Montserrat"/>
+              </a:rPr>
+              <a:t>of </a:t>
+            </a:r>
+            <a:r>
+              <a:rPr lang="en-US">
+                <a:solidFill>
+                  <a:srgbClr val="333333"/>
+                </a:solidFill>
+                <a:highlight>
+                  <a:srgbClr val="FFFFFF"/>
+                </a:highlight>
+                <a:latin typeface="Montserrat"/>
+                <a:ea typeface="Montserrat"/>
+                <a:cs typeface="Montserrat"/>
+                <a:sym typeface="Montserrat"/>
+              </a:rPr>
+              <a:t>r</a:t>
+            </a:r>
+            <a:r>
+              <a:rPr lang="en" smtClean="0">
+                <a:solidFill>
+                  <a:srgbClr val="333333"/>
+                </a:solidFill>
+                <a:highlight>
+                  <a:srgbClr val="FFFFFF"/>
+                </a:highlight>
+                <a:latin typeface="Montserrat"/>
+                <a:ea typeface="Montserrat"/>
+                <a:cs typeface="Montserrat"/>
+                <a:sym typeface="Montserrat"/>
+              </a:rPr>
+              <a:t>esults</a:t>
+            </a:r>
+            <a:endParaRPr lang="en" dirty="0">
+              <a:solidFill>
+                <a:srgbClr val="333333"/>
+              </a:solidFill>
+              <a:highlight>
+                <a:srgbClr val="FFFFFF"/>
+              </a:highlight>
+              <a:latin typeface="Montserrat"/>
+              <a:ea typeface="Montserrat"/>
+              <a:cs typeface="Montserrat"/>
+              <a:sym typeface="Montserrat"/>
+            </a:endParaRPr>
           </a:p>
         </p:txBody>
       </p:sp>
